--- a/PPT/html5+css3/css3canvas.pptx
+++ b/PPT/html5+css3/css3canvas.pptx
@@ -9273,7 +9273,7 @@
           <a:p>
             <a:r>
               <a:rPr lang="zh-CN" sz="2000"/>
-              <a:t>scale(scaleWidth,scaleHeight) 方法缩放当前绘图，参数为0~1的值</a:t>
+              <a:t>scale(scaleWidth,scaleHeight) 方法缩放当前绘图，</a:t>
             </a:r>
             <a:endParaRPr lang="zh-CN" sz="2000"/>
           </a:p>
